--- a/Distribution Examples.pptx
+++ b/Distribution Examples.pptx
@@ -30,19 +30,21 @@
     <p:sldId id="280" r:id="rId24"/>
     <p:sldId id="281" r:id="rId25"/>
     <p:sldId id="294" r:id="rId26"/>
-    <p:sldId id="274" r:id="rId27"/>
-    <p:sldId id="290" r:id="rId28"/>
-    <p:sldId id="291" r:id="rId29"/>
-    <p:sldId id="295" r:id="rId30"/>
-    <p:sldId id="259" r:id="rId31"/>
-    <p:sldId id="270" r:id="rId32"/>
-    <p:sldId id="262" r:id="rId33"/>
-    <p:sldId id="266" r:id="rId34"/>
-    <p:sldId id="273" r:id="rId35"/>
-    <p:sldId id="282" r:id="rId36"/>
-    <p:sldId id="267" r:id="rId37"/>
-    <p:sldId id="283" r:id="rId38"/>
-    <p:sldId id="284" r:id="rId39"/>
+    <p:sldId id="296" r:id="rId27"/>
+    <p:sldId id="274" r:id="rId28"/>
+    <p:sldId id="290" r:id="rId29"/>
+    <p:sldId id="291" r:id="rId30"/>
+    <p:sldId id="297" r:id="rId31"/>
+    <p:sldId id="295" r:id="rId32"/>
+    <p:sldId id="259" r:id="rId33"/>
+    <p:sldId id="270" r:id="rId34"/>
+    <p:sldId id="262" r:id="rId35"/>
+    <p:sldId id="266" r:id="rId36"/>
+    <p:sldId id="273" r:id="rId37"/>
+    <p:sldId id="282" r:id="rId38"/>
+    <p:sldId id="267" r:id="rId39"/>
+    <p:sldId id="283" r:id="rId40"/>
+    <p:sldId id="284" r:id="rId41"/>
   </p:sldIdLst>
   <p:sldSz cx="12192000" cy="6858000"/>
   <p:notesSz cx="6858000" cy="9144000"/>
@@ -296,7 +298,7 @@
           <a:p>
             <a:fld id="{2A24A353-76B0-4D71-A9DE-51345F043286}" type="datetimeFigureOut">
               <a:rPr lang="en-US" smtClean="0"/>
-              <a:t>10/8/2021</a:t>
+              <a:t>10/6/2022</a:t>
             </a:fld>
             <a:endParaRPr lang="en-US"/>
           </a:p>
@@ -494,7 +496,7 @@
           <a:p>
             <a:fld id="{2A24A353-76B0-4D71-A9DE-51345F043286}" type="datetimeFigureOut">
               <a:rPr lang="en-US" smtClean="0"/>
-              <a:t>10/8/2021</a:t>
+              <a:t>10/6/2022</a:t>
             </a:fld>
             <a:endParaRPr lang="en-US"/>
           </a:p>
@@ -702,7 +704,7 @@
           <a:p>
             <a:fld id="{2A24A353-76B0-4D71-A9DE-51345F043286}" type="datetimeFigureOut">
               <a:rPr lang="en-US" smtClean="0"/>
-              <a:t>10/8/2021</a:t>
+              <a:t>10/6/2022</a:t>
             </a:fld>
             <a:endParaRPr lang="en-US"/>
           </a:p>
@@ -900,7 +902,7 @@
           <a:p>
             <a:fld id="{2A24A353-76B0-4D71-A9DE-51345F043286}" type="datetimeFigureOut">
               <a:rPr lang="en-US" smtClean="0"/>
-              <a:t>10/8/2021</a:t>
+              <a:t>10/6/2022</a:t>
             </a:fld>
             <a:endParaRPr lang="en-US"/>
           </a:p>
@@ -1175,7 +1177,7 @@
           <a:p>
             <a:fld id="{2A24A353-76B0-4D71-A9DE-51345F043286}" type="datetimeFigureOut">
               <a:rPr lang="en-US" smtClean="0"/>
-              <a:t>10/8/2021</a:t>
+              <a:t>10/6/2022</a:t>
             </a:fld>
             <a:endParaRPr lang="en-US"/>
           </a:p>
@@ -1440,7 +1442,7 @@
           <a:p>
             <a:fld id="{2A24A353-76B0-4D71-A9DE-51345F043286}" type="datetimeFigureOut">
               <a:rPr lang="en-US" smtClean="0"/>
-              <a:t>10/8/2021</a:t>
+              <a:t>10/6/2022</a:t>
             </a:fld>
             <a:endParaRPr lang="en-US"/>
           </a:p>
@@ -1852,7 +1854,7 @@
           <a:p>
             <a:fld id="{2A24A353-76B0-4D71-A9DE-51345F043286}" type="datetimeFigureOut">
               <a:rPr lang="en-US" smtClean="0"/>
-              <a:t>10/8/2021</a:t>
+              <a:t>10/6/2022</a:t>
             </a:fld>
             <a:endParaRPr lang="en-US"/>
           </a:p>
@@ -1993,7 +1995,7 @@
           <a:p>
             <a:fld id="{2A24A353-76B0-4D71-A9DE-51345F043286}" type="datetimeFigureOut">
               <a:rPr lang="en-US" smtClean="0"/>
-              <a:t>10/8/2021</a:t>
+              <a:t>10/6/2022</a:t>
             </a:fld>
             <a:endParaRPr lang="en-US"/>
           </a:p>
@@ -2106,7 +2108,7 @@
           <a:p>
             <a:fld id="{2A24A353-76B0-4D71-A9DE-51345F043286}" type="datetimeFigureOut">
               <a:rPr lang="en-US" smtClean="0"/>
-              <a:t>10/8/2021</a:t>
+              <a:t>10/6/2022</a:t>
             </a:fld>
             <a:endParaRPr lang="en-US"/>
           </a:p>
@@ -2417,7 +2419,7 @@
           <a:p>
             <a:fld id="{2A24A353-76B0-4D71-A9DE-51345F043286}" type="datetimeFigureOut">
               <a:rPr lang="en-US" smtClean="0"/>
-              <a:t>10/8/2021</a:t>
+              <a:t>10/6/2022</a:t>
             </a:fld>
             <a:endParaRPr lang="en-US"/>
           </a:p>
@@ -2705,7 +2707,7 @@
           <a:p>
             <a:fld id="{2A24A353-76B0-4D71-A9DE-51345F043286}" type="datetimeFigureOut">
               <a:rPr lang="en-US" smtClean="0"/>
-              <a:t>10/8/2021</a:t>
+              <a:t>10/6/2022</a:t>
             </a:fld>
             <a:endParaRPr lang="en-US"/>
           </a:p>
@@ -2946,7 +2948,7 @@
           <a:p>
             <a:fld id="{2A24A353-76B0-4D71-A9DE-51345F043286}" type="datetimeFigureOut">
               <a:rPr lang="en-US" smtClean="0"/>
-              <a:t>10/8/2021</a:t>
+              <a:t>10/6/2022</a:t>
             </a:fld>
             <a:endParaRPr lang="en-US"/>
           </a:p>
@@ -3477,8 +3479,8 @@
           </a:p>
         </p:txBody>
       </p:sp>
-      <mc:AlternateContent xmlns:mc="http://schemas.openxmlformats.org/markup-compatibility/2006" xmlns:a14="http://schemas.microsoft.com/office/drawing/2010/main">
-        <mc:Choice Requires="a14">
+      <mc:AlternateContent xmlns:mc="http://schemas.openxmlformats.org/markup-compatibility/2006">
+        <mc:Choice xmlns:a14="http://schemas.microsoft.com/office/drawing/2010/main" Requires="a14">
           <p:sp>
             <p:nvSpPr>
               <p:cNvPr id="3" name="Content Placeholder 2">
@@ -3511,7 +3513,7 @@
               <a:p>
                 <a:r>
                   <a:rPr lang="en-US" dirty="0"/>
-                  <a:t>What is the probability of getting exactly 10 points?</a:t>
+                  <a:t>What is the probability of getting exactly 5 points?</a:t>
                 </a:r>
               </a:p>
               <a:p>
@@ -3761,13 +3763,13 @@
               <a:p>
                 <a:r>
                   <a:rPr lang="en-US" dirty="0"/>
-                  <a:t>What is the probability of getting exactly 10 points?</a:t>
+                  <a:t>What is the probability of getting at least 5 points?</a:t>
                 </a:r>
               </a:p>
             </p:txBody>
           </p:sp>
         </mc:Choice>
-        <mc:Fallback xmlns="">
+        <mc:Fallback>
           <p:sp>
             <p:nvSpPr>
               <p:cNvPr id="3" name="Content Placeholder 2">
@@ -3865,8 +3867,8 @@
           </a:p>
         </p:txBody>
       </p:sp>
-      <mc:AlternateContent xmlns:mc="http://schemas.openxmlformats.org/markup-compatibility/2006" xmlns:a14="http://schemas.microsoft.com/office/drawing/2010/main">
-        <mc:Choice Requires="a14">
+      <mc:AlternateContent xmlns:mc="http://schemas.openxmlformats.org/markup-compatibility/2006">
+        <mc:Choice xmlns:a14="http://schemas.microsoft.com/office/drawing/2010/main" Requires="a14">
           <p:sp>
             <p:nvSpPr>
               <p:cNvPr id="3" name="Content Placeholder 2">
@@ -3892,7 +3894,7 @@
               <a:p>
                 <a:r>
                   <a:rPr lang="en-US" dirty="0"/>
-                  <a:t>A die is rolled 20 times. If you lands on a 6 you score a point, if you get 5 points you win. </a:t>
+                  <a:t>A die is rolled 20 times. If it lands on a 6 you score a point, if you get 5 points you win. </a:t>
                 </a:r>
               </a:p>
               <a:p>
@@ -4470,7 +4472,7 @@
             </p:txBody>
           </p:sp>
         </mc:Choice>
-        <mc:Fallback xmlns="">
+        <mc:Fallback>
           <p:sp>
             <p:nvSpPr>
               <p:cNvPr id="3" name="Content Placeholder 2">
@@ -4491,7 +4493,7 @@
               <a:blipFill>
                 <a:blip r:embed="rId2"/>
                 <a:stretch>
-                  <a:fillRect l="-1043" t="-3081"/>
+                  <a:fillRect l="-1043" t="-3081" r="-1507"/>
                 </a:stretch>
               </a:blipFill>
             </p:spPr>
@@ -4591,7 +4593,7 @@
           <a:p>
             <a:r>
               <a:rPr lang="en-US" dirty="0"/>
-              <a:t>You’re told that your city experiences a massive flood from time to time. They refer to it as the 100-year flood. The chance of getting one of these floods is approximately 0.01 per year. </a:t>
+              <a:t>You’re told that your city experiences a massive flood from time to time. They refer to it as the 100-year flood. That means that 0.01 flood happen per year. </a:t>
             </a:r>
           </a:p>
           <a:p>
@@ -4701,7 +4703,7 @@
           <a:noFill/>
           <a:extLst>
             <a:ext uri="{909E8E84-426E-40dd-AFC4-6F175D3DCCD1}">
-              <a14:hiddenFill xmlns="" xmlns:a14="http://schemas.microsoft.com/office/drawing/2010/main">
+              <a14:hiddenFill xmlns:a14="http://schemas.microsoft.com/office/drawing/2010/main" xmlns="">
                 <a:solidFill>
                   <a:srgbClr val="FFFFFF"/>
                 </a:solidFill>
@@ -7170,8 +7172,8 @@
           </a:p>
         </p:txBody>
       </p:sp>
-      <mc:AlternateContent xmlns:mc="http://schemas.openxmlformats.org/markup-compatibility/2006" xmlns:a14="http://schemas.microsoft.com/office/drawing/2010/main">
-        <mc:Choice Requires="a14">
+      <mc:AlternateContent xmlns:mc="http://schemas.openxmlformats.org/markup-compatibility/2006">
+        <mc:Choice xmlns:a14="http://schemas.microsoft.com/office/drawing/2010/main" Requires="a14">
           <p:sp>
             <p:nvSpPr>
               <p:cNvPr id="3" name="Content Placeholder 2">
@@ -7190,7 +7192,9 @@
             </p:nvSpPr>
             <p:spPr/>
             <p:txBody>
-              <a:bodyPr/>
+              <a:bodyPr>
+                <a:normAutofit lnSpcReduction="10000"/>
+              </a:bodyPr>
               <a:lstStyle/>
               <a:p>
                 <a:pPr marL="0" indent="0">
@@ -7345,10 +7349,70 @@
                 </a14:m>
                 <a:endParaRPr lang="en-US" sz="4000" dirty="0"/>
               </a:p>
+              <a:p>
+                <a:pPr marL="0" indent="0">
+                  <a:buNone/>
+                </a:pPr>
+                <a:endParaRPr lang="en-US" sz="4000" dirty="0"/>
+              </a:p>
+              <a:p>
+                <a:r>
+                  <a:rPr lang="en-US" dirty="0"/>
+                  <a:t>Where:</a:t>
+                </a:r>
+              </a:p>
+              <a:p>
+                <a:pPr lvl="1"/>
+                <a14:m>
+                  <m:oMath xmlns:m="http://schemas.openxmlformats.org/officeDocument/2006/math">
+                    <m:r>
+                      <a:rPr lang="en-US" sz="2400" b="0" i="1" smtClean="0">
+                        <a:latin typeface="Cambria Math" panose="02040503050406030204" pitchFamily="18" charset="0"/>
+                      </a:rPr>
+                      <m:t>𝜆</m:t>
+                    </m:r>
+                  </m:oMath>
+                </a14:m>
+                <a:r>
+                  <a:rPr lang="en-US" b="0" i="0" dirty="0">
+                    <a:solidFill>
+                      <a:srgbClr val="111111"/>
+                    </a:solidFill>
+                    <a:effectLst/>
+                    <a:latin typeface="SourceSansPro"/>
+                  </a:rPr>
+                  <a:t> - average occurrences in a set time period. </a:t>
+                </a:r>
+              </a:p>
+              <a:p>
+                <a:pPr lvl="1"/>
+                <a:r>
+                  <a:rPr lang="en-US" dirty="0">
+                    <a:solidFill>
+                      <a:srgbClr val="111111"/>
+                    </a:solidFill>
+                    <a:latin typeface="SourceSansPro"/>
+                  </a:rPr>
+                  <a:t>k - Number of occurrences in question.</a:t>
+                </a:r>
+                <a:endParaRPr lang="en-US" b="0" i="0" dirty="0">
+                  <a:solidFill>
+                    <a:srgbClr val="111111"/>
+                  </a:solidFill>
+                  <a:effectLst/>
+                  <a:latin typeface="SourceSansPro"/>
+                </a:endParaRPr>
+              </a:p>
+              <a:p>
+                <a:pPr marL="0" indent="0">
+                  <a:buNone/>
+                </a:pPr>
+                <a:endParaRPr lang="en-US" sz="4000" dirty="0"/>
+              </a:p>
             </p:txBody>
           </p:sp>
         </mc:Choice>
-        <mc:Fallback xmlns="">
+        <mc:Fallback>
           <p:sp>
             <p:nvSpPr>
               <p:cNvPr id="3" name="Content Placeholder 2">
@@ -7369,7 +7433,7 @@
               <a:blipFill>
                 <a:blip r:embed="rId2"/>
                 <a:stretch>
-                  <a:fillRect/>
+                  <a:fillRect l="-1043"/>
                 </a:stretch>
               </a:blipFill>
             </p:spPr>
@@ -8452,7 +8516,7 @@
           <a:p>
             <a:r>
               <a:rPr lang="en-US" dirty="0"/>
-              <a:t>Recall the 100-year flood example. The chance of getting one of these floods is approximately 0.01 per year. </a:t>
+              <a:t>Consider the 100-year flood example. The chance of getting one of these floods is approximately 0.01 per year. </a:t>
             </a:r>
           </a:p>
           <a:p>
@@ -9043,7 +9107,7 @@
           <a:p>
             <a:r>
               <a:rPr lang="en-US" dirty="0"/>
-              <a:t>Hailstorm issues</a:t>
+              <a:t>Hailstorm issues – Problem Solving</a:t>
             </a:r>
           </a:p>
         </p:txBody>
@@ -9130,6 +9194,92 @@
           <p:cNvPr id="2" name="Title 1">
             <a:extLst>
               <a:ext uri="{FF2B5EF4-FFF2-40B4-BE49-F238E27FC236}">
+                <a16:creationId xmlns:a16="http://schemas.microsoft.com/office/drawing/2014/main" id="{FB1172EB-162E-860C-0AFB-726673520EBF}"/>
+              </a:ext>
+            </a:extLst>
+          </p:cNvPr>
+          <p:cNvSpPr>
+            <a:spLocks noGrp="1"/>
+          </p:cNvSpPr>
+          <p:nvPr>
+            <p:ph type="title"/>
+          </p:nvPr>
+        </p:nvSpPr>
+        <p:spPr/>
+        <p:txBody>
+          <a:bodyPr/>
+          <a:lstStyle/>
+          <a:p>
+            <a:r>
+              <a:rPr lang="en-US" dirty="0"/>
+              <a:t>Hailstorm issues – Problem Solving</a:t>
+            </a:r>
+          </a:p>
+        </p:txBody>
+      </p:sp>
+      <p:sp>
+        <p:nvSpPr>
+          <p:cNvPr id="3" name="Content Placeholder 2">
+            <a:extLst>
+              <a:ext uri="{FF2B5EF4-FFF2-40B4-BE49-F238E27FC236}">
+                <a16:creationId xmlns:a16="http://schemas.microsoft.com/office/drawing/2014/main" id="{0B29DCB0-87DC-7A39-C470-50605D1CEC07}"/>
+              </a:ext>
+            </a:extLst>
+          </p:cNvPr>
+          <p:cNvSpPr>
+            <a:spLocks noGrp="1"/>
+          </p:cNvSpPr>
+          <p:nvPr>
+            <p:ph idx="1"/>
+          </p:nvPr>
+        </p:nvSpPr>
+        <p:spPr/>
+        <p:txBody>
+          <a:bodyPr/>
+          <a:lstStyle/>
+          <a:p>
+            <a:r>
+              <a:rPr lang="en-US" dirty="0"/>
+              <a:t>Let’s say you want to determine the likelihood of a hailstorm hitting your location </a:t>
+            </a:r>
+          </a:p>
+        </p:txBody>
+      </p:sp>
+    </p:spTree>
+    <p:extLst>
+      <p:ext uri="{BB962C8B-B14F-4D97-AF65-F5344CB8AC3E}">
+        <p14:creationId xmlns:p14="http://schemas.microsoft.com/office/powerpoint/2010/main" val="1347495350"/>
+      </p:ext>
+    </p:extLst>
+  </p:cSld>
+  <p:clrMapOvr>
+    <a:masterClrMapping/>
+  </p:clrMapOvr>
+</p:sld>
+</file>
+
+<file path=ppt/slides/slide27.xml><?xml version="1.0" encoding="utf-8"?>
+<p:sld xmlns:a="http://schemas.openxmlformats.org/drawingml/2006/main" xmlns:r="http://schemas.openxmlformats.org/officeDocument/2006/relationships" xmlns:p="http://schemas.openxmlformats.org/presentationml/2006/main">
+  <p:cSld>
+    <p:spTree>
+      <p:nvGrpSpPr>
+        <p:cNvPr id="1" name=""/>
+        <p:cNvGrpSpPr/>
+        <p:nvPr/>
+      </p:nvGrpSpPr>
+      <p:grpSpPr>
+        <a:xfrm>
+          <a:off x="0" y="0"/>
+          <a:ext cx="0" cy="0"/>
+          <a:chOff x="0" y="0"/>
+          <a:chExt cx="0" cy="0"/>
+        </a:xfrm>
+      </p:grpSpPr>
+      <p:sp>
+        <p:nvSpPr>
+          <p:cNvPr id="2" name="Title 1">
+            <a:extLst>
+              <a:ext uri="{FF2B5EF4-FFF2-40B4-BE49-F238E27FC236}">
                 <a16:creationId xmlns:a16="http://schemas.microsoft.com/office/drawing/2014/main" id="{1AA1A583-CC45-4AF0-B2A2-9EDDA40F38F1}"/>
               </a:ext>
             </a:extLst>
@@ -9411,7 +9561,7 @@
 </p:sld>
 </file>
 
-<file path=ppt/slides/slide27.xml><?xml version="1.0" encoding="utf-8"?>
+<file path=ppt/slides/slide28.xml><?xml version="1.0" encoding="utf-8"?>
 <p:sld xmlns:a="http://schemas.openxmlformats.org/drawingml/2006/main" xmlns:r="http://schemas.openxmlformats.org/officeDocument/2006/relationships" xmlns:p="http://schemas.openxmlformats.org/presentationml/2006/main">
   <p:cSld>
     <p:spTree>
@@ -9502,7 +9652,7 @@
 </p:sld>
 </file>
 
-<file path=ppt/slides/slide28.xml><?xml version="1.0" encoding="utf-8"?>
+<file path=ppt/slides/slide29.xml><?xml version="1.0" encoding="utf-8"?>
 <p:sld xmlns:a="http://schemas.openxmlformats.org/drawingml/2006/main" xmlns:r="http://schemas.openxmlformats.org/officeDocument/2006/relationships" xmlns:p="http://schemas.openxmlformats.org/presentationml/2006/main">
   <p:cSld>
     <p:spTree>
@@ -9872,435 +10022,6 @@
     <p:extLst>
       <p:ext uri="{BB962C8B-B14F-4D97-AF65-F5344CB8AC3E}">
         <p14:creationId xmlns:p14="http://schemas.microsoft.com/office/powerpoint/2010/main" val="1235295834"/>
-      </p:ext>
-    </p:extLst>
-  </p:cSld>
-  <p:clrMapOvr>
-    <a:masterClrMapping/>
-  </p:clrMapOvr>
-</p:sld>
-</file>
-
-<file path=ppt/slides/slide29.xml><?xml version="1.0" encoding="utf-8"?>
-<p:sld xmlns:a="http://schemas.openxmlformats.org/drawingml/2006/main" xmlns:r="http://schemas.openxmlformats.org/officeDocument/2006/relationships" xmlns:p="http://schemas.openxmlformats.org/presentationml/2006/main">
-  <p:cSld>
-    <p:spTree>
-      <p:nvGrpSpPr>
-        <p:cNvPr id="1" name=""/>
-        <p:cNvGrpSpPr/>
-        <p:nvPr/>
-      </p:nvGrpSpPr>
-      <p:grpSpPr>
-        <a:xfrm>
-          <a:off x="0" y="0"/>
-          <a:ext cx="0" cy="0"/>
-          <a:chOff x="0" y="0"/>
-          <a:chExt cx="0" cy="0"/>
-        </a:xfrm>
-      </p:grpSpPr>
-      <p:sp>
-        <p:nvSpPr>
-          <p:cNvPr id="2" name="Title 1">
-            <a:extLst>
-              <a:ext uri="{FF2B5EF4-FFF2-40B4-BE49-F238E27FC236}">
-                <a16:creationId xmlns:a16="http://schemas.microsoft.com/office/drawing/2014/main" id="{095633C3-2BEE-4EE6-89CB-80A5457376F2}"/>
-              </a:ext>
-            </a:extLst>
-          </p:cNvPr>
-          <p:cNvSpPr>
-            <a:spLocks noGrp="1"/>
-          </p:cNvSpPr>
-          <p:nvPr>
-            <p:ph type="title"/>
-          </p:nvPr>
-        </p:nvSpPr>
-        <p:spPr/>
-        <p:txBody>
-          <a:bodyPr/>
-          <a:lstStyle/>
-          <a:p>
-            <a:r>
-              <a:rPr lang="en-US" dirty="0"/>
-              <a:t>Hail Data Example</a:t>
-            </a:r>
-          </a:p>
-        </p:txBody>
-      </p:sp>
-      <p:sp>
-        <p:nvSpPr>
-          <p:cNvPr id="3" name="Content Placeholder 2">
-            <a:extLst>
-              <a:ext uri="{FF2B5EF4-FFF2-40B4-BE49-F238E27FC236}">
-                <a16:creationId xmlns:a16="http://schemas.microsoft.com/office/drawing/2014/main" id="{D8AF7027-1A03-41B3-8AED-92D8CF5C06D0}"/>
-              </a:ext>
-            </a:extLst>
-          </p:cNvPr>
-          <p:cNvSpPr>
-            <a:spLocks noGrp="1"/>
-          </p:cNvSpPr>
-          <p:nvPr>
-            <p:ph idx="1"/>
-          </p:nvPr>
-        </p:nvSpPr>
-        <p:spPr/>
-        <p:txBody>
-          <a:bodyPr/>
-          <a:lstStyle/>
-          <a:p>
-            <a:r>
-              <a:rPr lang="en-US" dirty="0"/>
-              <a:t>How about at least 1 storm in 30 years?</a:t>
-            </a:r>
-          </a:p>
-        </p:txBody>
-      </p:sp>
-      <mc:AlternateContent xmlns:mc="http://schemas.openxmlformats.org/markup-compatibility/2006">
-        <mc:Choice xmlns:a14="http://schemas.microsoft.com/office/drawing/2010/main" Requires="a14">
-          <p:sp>
-            <p:nvSpPr>
-              <p:cNvPr id="5" name="TextBox 4">
-                <a:extLst>
-                  <a:ext uri="{FF2B5EF4-FFF2-40B4-BE49-F238E27FC236}">
-                    <a16:creationId xmlns:a16="http://schemas.microsoft.com/office/drawing/2014/main" id="{E9D336DF-7CCE-4B0B-A020-BDCE30D3E9FB}"/>
-                  </a:ext>
-                </a:extLst>
-              </p:cNvPr>
-              <p:cNvSpPr txBox="1"/>
-              <p:nvPr/>
-            </p:nvSpPr>
-            <p:spPr>
-              <a:xfrm>
-                <a:off x="1785631" y="2583317"/>
-                <a:ext cx="8115790" cy="3050259"/>
-              </a:xfrm>
-              <a:prstGeom prst="rect">
-                <a:avLst/>
-              </a:prstGeom>
-              <a:noFill/>
-            </p:spPr>
-            <p:txBody>
-              <a:bodyPr wrap="square">
-                <a:spAutoFit/>
-              </a:bodyPr>
-              <a:lstStyle/>
-              <a:p>
-                <a:pPr marL="0" indent="0">
-                  <a:buNone/>
-                </a:pPr>
-                <a14:m>
-                  <m:oMathPara xmlns:m="http://schemas.openxmlformats.org/officeDocument/2006/math">
-                    <m:oMathParaPr>
-                      <m:jc m:val="centerGroup"/>
-                    </m:oMathParaPr>
-                    <m:oMath xmlns:m="http://schemas.openxmlformats.org/officeDocument/2006/math">
-                      <m:r>
-                        <a:rPr lang="en-US" sz="3200" b="0" i="1" smtClean="0">
-                          <a:latin typeface="Cambria Math" panose="02040503050406030204" pitchFamily="18" charset="0"/>
-                        </a:rPr>
-                        <m:t>𝑓</m:t>
-                      </m:r>
-                      <m:d>
-                        <m:dPr>
-                          <m:ctrlPr>
-                            <a:rPr lang="en-US" sz="3200" b="0" i="1" smtClean="0">
-                              <a:latin typeface="Cambria Math" panose="02040503050406030204" pitchFamily="18" charset="0"/>
-                            </a:rPr>
-                          </m:ctrlPr>
-                        </m:dPr>
-                        <m:e>
-                          <m:r>
-                            <a:rPr lang="en-US" sz="3200" b="0" i="1" smtClean="0">
-                              <a:latin typeface="Cambria Math" panose="02040503050406030204" pitchFamily="18" charset="0"/>
-                            </a:rPr>
-                            <m:t>0:</m:t>
-                          </m:r>
-                          <m:r>
-                            <a:rPr lang="en-US" sz="3200" b="0" i="1" smtClean="0">
-                              <a:latin typeface="Cambria Math" panose="02040503050406030204" pitchFamily="18" charset="0"/>
-                            </a:rPr>
-                            <m:t>2.4</m:t>
-                          </m:r>
-                        </m:e>
-                      </m:d>
-                      <m:r>
-                        <a:rPr lang="en-US" sz="3200" b="0" i="1" smtClean="0">
-                          <a:latin typeface="Cambria Math" panose="02040503050406030204" pitchFamily="18" charset="0"/>
-                        </a:rPr>
-                        <m:t>=</m:t>
-                      </m:r>
-                      <m:f>
-                        <m:fPr>
-                          <m:ctrlPr>
-                            <a:rPr lang="en-US" sz="3200" b="0" i="1" smtClean="0">
-                              <a:latin typeface="Cambria Math" panose="02040503050406030204" pitchFamily="18" charset="0"/>
-                            </a:rPr>
-                          </m:ctrlPr>
-                        </m:fPr>
-                        <m:num>
-                          <m:sSup>
-                            <m:sSupPr>
-                              <m:ctrlPr>
-                                <a:rPr lang="en-US" sz="3200" b="0" i="1" smtClean="0">
-                                  <a:latin typeface="Cambria Math" panose="02040503050406030204" pitchFamily="18" charset="0"/>
-                                </a:rPr>
-                              </m:ctrlPr>
-                            </m:sSupPr>
-                            <m:e>
-                              <m:r>
-                                <a:rPr lang="en-US" sz="3200" b="0" i="1" smtClean="0">
-                                  <a:latin typeface="Cambria Math" panose="02040503050406030204" pitchFamily="18" charset="0"/>
-                                </a:rPr>
-                                <m:t>2.4</m:t>
-                              </m:r>
-                            </m:e>
-                            <m:sup>
-                              <m:r>
-                                <a:rPr lang="en-US" sz="3200" b="0" i="1" smtClean="0">
-                                  <a:latin typeface="Cambria Math" panose="02040503050406030204" pitchFamily="18" charset="0"/>
-                                </a:rPr>
-                                <m:t>0</m:t>
-                              </m:r>
-                            </m:sup>
-                          </m:sSup>
-                          <m:sSup>
-                            <m:sSupPr>
-                              <m:ctrlPr>
-                                <a:rPr lang="en-US" sz="3200" b="0" i="1" smtClean="0">
-                                  <a:latin typeface="Cambria Math" panose="02040503050406030204" pitchFamily="18" charset="0"/>
-                                </a:rPr>
-                              </m:ctrlPr>
-                            </m:sSupPr>
-                            <m:e>
-                              <m:r>
-                                <a:rPr lang="en-US" sz="3200" b="0" i="1" smtClean="0">
-                                  <a:latin typeface="Cambria Math" panose="02040503050406030204" pitchFamily="18" charset="0"/>
-                                </a:rPr>
-                                <m:t>𝑒</m:t>
-                              </m:r>
-                            </m:e>
-                            <m:sup>
-                              <m:r>
-                                <a:rPr lang="en-US" sz="3200" b="0" i="1" smtClean="0">
-                                  <a:latin typeface="Cambria Math" panose="02040503050406030204" pitchFamily="18" charset="0"/>
-                                </a:rPr>
-                                <m:t>−</m:t>
-                              </m:r>
-                              <m:r>
-                                <a:rPr lang="en-US" sz="3200" b="0" i="1" smtClean="0">
-                                  <a:latin typeface="Cambria Math" panose="02040503050406030204" pitchFamily="18" charset="0"/>
-                                </a:rPr>
-                                <m:t>2.4</m:t>
-                              </m:r>
-                            </m:sup>
-                          </m:sSup>
-                        </m:num>
-                        <m:den>
-                          <m:r>
-                            <a:rPr lang="en-US" sz="3200" b="0" i="1" smtClean="0">
-                              <a:latin typeface="Cambria Math" panose="02040503050406030204" pitchFamily="18" charset="0"/>
-                            </a:rPr>
-                            <m:t>0!</m:t>
-                          </m:r>
-                        </m:den>
-                      </m:f>
-                    </m:oMath>
-                  </m:oMathPara>
-                </a14:m>
-                <a:endParaRPr lang="en-US" sz="3200" dirty="0"/>
-              </a:p>
-              <a:p>
-                <a:pPr marL="0" indent="0">
-                  <a:buNone/>
-                </a:pPr>
-                <a:endParaRPr lang="en-US" sz="3200" dirty="0"/>
-              </a:p>
-              <a:p>
-                <a:pPr marL="0" indent="0">
-                  <a:buNone/>
-                </a:pPr>
-                <a14:m>
-                  <m:oMathPara xmlns:m="http://schemas.openxmlformats.org/officeDocument/2006/math">
-                    <m:oMathParaPr>
-                      <m:jc m:val="centerGroup"/>
-                    </m:oMathParaPr>
-                    <m:oMath xmlns:m="http://schemas.openxmlformats.org/officeDocument/2006/math">
-                      <m:r>
-                        <a:rPr lang="en-US" sz="3200" b="0" i="1" smtClean="0">
-                          <a:latin typeface="Cambria Math" panose="02040503050406030204" pitchFamily="18" charset="0"/>
-                        </a:rPr>
-                        <m:t>𝑓</m:t>
-                      </m:r>
-                      <m:d>
-                        <m:dPr>
-                          <m:ctrlPr>
-                            <a:rPr lang="en-US" sz="3200" b="0" i="1" smtClean="0">
-                              <a:latin typeface="Cambria Math" panose="02040503050406030204" pitchFamily="18" charset="0"/>
-                            </a:rPr>
-                          </m:ctrlPr>
-                        </m:dPr>
-                        <m:e>
-                          <m:r>
-                            <a:rPr lang="en-US" sz="3200" b="0" i="1" smtClean="0">
-                              <a:latin typeface="Cambria Math" panose="02040503050406030204" pitchFamily="18" charset="0"/>
-                            </a:rPr>
-                            <m:t>0:0.08</m:t>
-                          </m:r>
-                        </m:e>
-                      </m:d>
-                      <m:r>
-                        <a:rPr lang="en-US" sz="3200" b="0" i="1" smtClean="0">
-                          <a:latin typeface="Cambria Math" panose="02040503050406030204" pitchFamily="18" charset="0"/>
-                        </a:rPr>
-                        <m:t>=</m:t>
-                      </m:r>
-                      <m:r>
-                        <a:rPr lang="en-US" sz="3200" b="0" i="1" smtClean="0">
-                          <a:latin typeface="Cambria Math" panose="02040503050406030204" pitchFamily="18" charset="0"/>
-                        </a:rPr>
-                        <m:t>0.09</m:t>
-                      </m:r>
-                    </m:oMath>
-                  </m:oMathPara>
-                </a14:m>
-                <a:endParaRPr lang="en-US" sz="3200" b="0" dirty="0"/>
-              </a:p>
-              <a:p>
-                <a:pPr marL="0" indent="0">
-                  <a:buNone/>
-                </a:pPr>
-                <a:endParaRPr lang="en-US" sz="3200" b="0" dirty="0"/>
-              </a:p>
-              <a:p>
-                <a:pPr marL="0" indent="0">
-                  <a:buNone/>
-                </a:pPr>
-                <a14:m>
-                  <m:oMathPara xmlns:m="http://schemas.openxmlformats.org/officeDocument/2006/math">
-                    <m:oMathParaPr>
-                      <m:jc m:val="centerGroup"/>
-                    </m:oMathParaPr>
-                    <m:oMath xmlns:m="http://schemas.openxmlformats.org/officeDocument/2006/math">
-                      <m:r>
-                        <a:rPr lang="en-US" sz="3200" b="0" i="1" smtClean="0">
-                          <a:latin typeface="Cambria Math" panose="02040503050406030204" pitchFamily="18" charset="0"/>
-                        </a:rPr>
-                        <m:t>𝑓</m:t>
-                      </m:r>
-                      <m:d>
-                        <m:dPr>
-                          <m:ctrlPr>
-                            <a:rPr lang="en-US" sz="3200" b="0" i="1" smtClean="0">
-                              <a:latin typeface="Cambria Math" panose="02040503050406030204" pitchFamily="18" charset="0"/>
-                            </a:rPr>
-                          </m:ctrlPr>
-                        </m:dPr>
-                        <m:e>
-                          <m:r>
-                            <a:rPr lang="en-US" sz="3200" b="0" i="1" smtClean="0">
-                              <a:latin typeface="Cambria Math" panose="02040503050406030204" pitchFamily="18" charset="0"/>
-                            </a:rPr>
-                            <m:t>&gt;1</m:t>
-                          </m:r>
-                        </m:e>
-                      </m:d>
-                      <m:r>
-                        <a:rPr lang="en-US" sz="3200" b="0" i="1" smtClean="0">
-                          <a:latin typeface="Cambria Math" panose="02040503050406030204" pitchFamily="18" charset="0"/>
-                        </a:rPr>
-                        <m:t>=</m:t>
-                      </m:r>
-                      <m:d>
-                        <m:dPr>
-                          <m:ctrlPr>
-                            <a:rPr lang="en-US" sz="3200" b="0" i="1" smtClean="0">
-                              <a:latin typeface="Cambria Math" panose="02040503050406030204" pitchFamily="18" charset="0"/>
-                            </a:rPr>
-                          </m:ctrlPr>
-                        </m:dPr>
-                        <m:e>
-                          <m:r>
-                            <a:rPr lang="en-US" sz="3200" b="0" i="1" smtClean="0">
-                              <a:latin typeface="Cambria Math" panose="02040503050406030204" pitchFamily="18" charset="0"/>
-                            </a:rPr>
-                            <m:t>1−0.</m:t>
-                          </m:r>
-                          <m:r>
-                            <a:rPr lang="en-US" sz="3200" b="0" i="1" smtClean="0">
-                              <a:latin typeface="Cambria Math" panose="02040503050406030204" pitchFamily="18" charset="0"/>
-                            </a:rPr>
-                            <m:t>09</m:t>
-                          </m:r>
-                        </m:e>
-                      </m:d>
-                      <m:r>
-                        <a:rPr lang="en-US" sz="3200" b="0" i="1" smtClean="0">
-                          <a:latin typeface="Cambria Math" panose="02040503050406030204" pitchFamily="18" charset="0"/>
-                        </a:rPr>
-                        <m:t>=0</m:t>
-                      </m:r>
-                      <m:r>
-                        <a:rPr lang="en-US" sz="3200" b="0" i="1" smtClean="0">
-                          <a:latin typeface="Cambria Math" panose="02040503050406030204" pitchFamily="18" charset="0"/>
-                        </a:rPr>
-                        <m:t>.91</m:t>
-                      </m:r>
-                    </m:oMath>
-                  </m:oMathPara>
-                </a14:m>
-                <a:endParaRPr lang="en-US" sz="3200" b="0" dirty="0"/>
-              </a:p>
-            </p:txBody>
-          </p:sp>
-        </mc:Choice>
-        <mc:Fallback>
-          <p:sp>
-            <p:nvSpPr>
-              <p:cNvPr id="5" name="TextBox 4">
-                <a:extLst>
-                  <a:ext uri="{FF2B5EF4-FFF2-40B4-BE49-F238E27FC236}">
-                    <a16:creationId xmlns:a16="http://schemas.microsoft.com/office/drawing/2014/main" id="{E9D336DF-7CCE-4B0B-A020-BDCE30D3E9FB}"/>
-                  </a:ext>
-                </a:extLst>
-              </p:cNvPr>
-              <p:cNvSpPr txBox="1">
-                <a:spLocks noRot="1" noChangeAspect="1" noMove="1" noResize="1" noEditPoints="1" noAdjustHandles="1" noChangeArrowheads="1" noChangeShapeType="1" noTextEdit="1"/>
-              </p:cNvSpPr>
-              <p:nvPr/>
-            </p:nvSpPr>
-            <p:spPr>
-              <a:xfrm>
-                <a:off x="1785631" y="2583317"/>
-                <a:ext cx="8115790" cy="3050259"/>
-              </a:xfrm>
-              <a:prstGeom prst="rect">
-                <a:avLst/>
-              </a:prstGeom>
-              <a:blipFill>
-                <a:blip r:embed="rId2"/>
-                <a:stretch>
-                  <a:fillRect/>
-                </a:stretch>
-              </a:blipFill>
-            </p:spPr>
-            <p:txBody>
-              <a:bodyPr/>
-              <a:lstStyle/>
-              <a:p>
-                <a:r>
-                  <a:rPr lang="en-US">
-                    <a:noFill/>
-                  </a:rPr>
-                  <a:t> </a:t>
-                </a:r>
-              </a:p>
-            </p:txBody>
-          </p:sp>
-        </mc:Fallback>
-      </mc:AlternateContent>
-    </p:spTree>
-    <p:extLst>
-      <p:ext uri="{BB962C8B-B14F-4D97-AF65-F5344CB8AC3E}">
-        <p14:creationId xmlns:p14="http://schemas.microsoft.com/office/powerpoint/2010/main" val="4135880799"/>
       </p:ext>
     </p:extLst>
   </p:cSld>
@@ -10932,6 +10653,496 @@
           <p:cNvPr id="2" name="Title 1">
             <a:extLst>
               <a:ext uri="{FF2B5EF4-FFF2-40B4-BE49-F238E27FC236}">
+                <a16:creationId xmlns:a16="http://schemas.microsoft.com/office/drawing/2014/main" id="{1AA1A583-CC45-4AF0-B2A2-9EDDA40F38F1}"/>
+              </a:ext>
+            </a:extLst>
+          </p:cNvPr>
+          <p:cNvSpPr>
+            <a:spLocks noGrp="1"/>
+          </p:cNvSpPr>
+          <p:nvPr>
+            <p:ph type="title"/>
+          </p:nvPr>
+        </p:nvSpPr>
+        <p:spPr/>
+        <p:txBody>
+          <a:bodyPr/>
+          <a:lstStyle/>
+          <a:p>
+            <a:r>
+              <a:rPr lang="en-US" dirty="0"/>
+              <a:t>Hail Data Example</a:t>
+            </a:r>
+          </a:p>
+        </p:txBody>
+      </p:sp>
+      <p:sp>
+        <p:nvSpPr>
+          <p:cNvPr id="3" name="Content Placeholder 2">
+            <a:extLst>
+              <a:ext uri="{FF2B5EF4-FFF2-40B4-BE49-F238E27FC236}">
+                <a16:creationId xmlns:a16="http://schemas.microsoft.com/office/drawing/2014/main" id="{8E779D30-F9F1-41B5-8F71-17D7B5F373EF}"/>
+              </a:ext>
+            </a:extLst>
+          </p:cNvPr>
+          <p:cNvSpPr>
+            <a:spLocks noGrp="1"/>
+          </p:cNvSpPr>
+          <p:nvPr>
+            <p:ph idx="1"/>
+          </p:nvPr>
+        </p:nvSpPr>
+        <p:spPr/>
+        <p:txBody>
+          <a:bodyPr>
+            <a:normAutofit/>
+          </a:bodyPr>
+          <a:lstStyle/>
+          <a:p>
+            <a:r>
+              <a:rPr lang="en-US" dirty="0"/>
+              <a:t>What is the likelihood of having one hailstorm of that size within the next 30 years?</a:t>
+            </a:r>
+          </a:p>
+          <a:p>
+            <a:endParaRPr lang="en-US" dirty="0"/>
+          </a:p>
+        </p:txBody>
+      </p:sp>
+    </p:spTree>
+    <p:extLst>
+      <p:ext uri="{BB962C8B-B14F-4D97-AF65-F5344CB8AC3E}">
+        <p14:creationId xmlns:p14="http://schemas.microsoft.com/office/powerpoint/2010/main" val="2041293132"/>
+      </p:ext>
+    </p:extLst>
+  </p:cSld>
+  <p:clrMapOvr>
+    <a:masterClrMapping/>
+  </p:clrMapOvr>
+</p:sld>
+</file>
+
+<file path=ppt/slides/slide31.xml><?xml version="1.0" encoding="utf-8"?>
+<p:sld xmlns:a="http://schemas.openxmlformats.org/drawingml/2006/main" xmlns:r="http://schemas.openxmlformats.org/officeDocument/2006/relationships" xmlns:p="http://schemas.openxmlformats.org/presentationml/2006/main">
+  <p:cSld>
+    <p:spTree>
+      <p:nvGrpSpPr>
+        <p:cNvPr id="1" name=""/>
+        <p:cNvGrpSpPr/>
+        <p:nvPr/>
+      </p:nvGrpSpPr>
+      <p:grpSpPr>
+        <a:xfrm>
+          <a:off x="0" y="0"/>
+          <a:ext cx="0" cy="0"/>
+          <a:chOff x="0" y="0"/>
+          <a:chExt cx="0" cy="0"/>
+        </a:xfrm>
+      </p:grpSpPr>
+      <p:sp>
+        <p:nvSpPr>
+          <p:cNvPr id="2" name="Title 1">
+            <a:extLst>
+              <a:ext uri="{FF2B5EF4-FFF2-40B4-BE49-F238E27FC236}">
+                <a16:creationId xmlns:a16="http://schemas.microsoft.com/office/drawing/2014/main" id="{095633C3-2BEE-4EE6-89CB-80A5457376F2}"/>
+              </a:ext>
+            </a:extLst>
+          </p:cNvPr>
+          <p:cNvSpPr>
+            <a:spLocks noGrp="1"/>
+          </p:cNvSpPr>
+          <p:nvPr>
+            <p:ph type="title"/>
+          </p:nvPr>
+        </p:nvSpPr>
+        <p:spPr/>
+        <p:txBody>
+          <a:bodyPr/>
+          <a:lstStyle/>
+          <a:p>
+            <a:r>
+              <a:rPr lang="en-US" dirty="0"/>
+              <a:t>Hail Data Example</a:t>
+            </a:r>
+          </a:p>
+        </p:txBody>
+      </p:sp>
+      <p:sp>
+        <p:nvSpPr>
+          <p:cNvPr id="3" name="Content Placeholder 2">
+            <a:extLst>
+              <a:ext uri="{FF2B5EF4-FFF2-40B4-BE49-F238E27FC236}">
+                <a16:creationId xmlns:a16="http://schemas.microsoft.com/office/drawing/2014/main" id="{D8AF7027-1A03-41B3-8AED-92D8CF5C06D0}"/>
+              </a:ext>
+            </a:extLst>
+          </p:cNvPr>
+          <p:cNvSpPr>
+            <a:spLocks noGrp="1"/>
+          </p:cNvSpPr>
+          <p:nvPr>
+            <p:ph idx="1"/>
+          </p:nvPr>
+        </p:nvSpPr>
+        <p:spPr/>
+        <p:txBody>
+          <a:bodyPr/>
+          <a:lstStyle/>
+          <a:p>
+            <a:r>
+              <a:rPr lang="en-US" dirty="0"/>
+              <a:t>How about at least 1 storm in 30 years?</a:t>
+            </a:r>
+          </a:p>
+        </p:txBody>
+      </p:sp>
+      <mc:AlternateContent xmlns:mc="http://schemas.openxmlformats.org/markup-compatibility/2006" xmlns:a14="http://schemas.microsoft.com/office/drawing/2010/main">
+        <mc:Choice Requires="a14">
+          <p:sp>
+            <p:nvSpPr>
+              <p:cNvPr id="5" name="TextBox 4">
+                <a:extLst>
+                  <a:ext uri="{FF2B5EF4-FFF2-40B4-BE49-F238E27FC236}">
+                    <a16:creationId xmlns:a16="http://schemas.microsoft.com/office/drawing/2014/main" id="{E9D336DF-7CCE-4B0B-A020-BDCE30D3E9FB}"/>
+                  </a:ext>
+                </a:extLst>
+              </p:cNvPr>
+              <p:cNvSpPr txBox="1"/>
+              <p:nvPr/>
+            </p:nvSpPr>
+            <p:spPr>
+              <a:xfrm>
+                <a:off x="1785631" y="2583317"/>
+                <a:ext cx="8115790" cy="3050259"/>
+              </a:xfrm>
+              <a:prstGeom prst="rect">
+                <a:avLst/>
+              </a:prstGeom>
+              <a:noFill/>
+            </p:spPr>
+            <p:txBody>
+              <a:bodyPr wrap="square">
+                <a:spAutoFit/>
+              </a:bodyPr>
+              <a:lstStyle/>
+              <a:p>
+                <a:pPr marL="0" indent="0">
+                  <a:buNone/>
+                </a:pPr>
+                <a14:m>
+                  <m:oMathPara xmlns:m="http://schemas.openxmlformats.org/officeDocument/2006/math">
+                    <m:oMathParaPr>
+                      <m:jc m:val="centerGroup"/>
+                    </m:oMathParaPr>
+                    <m:oMath xmlns:m="http://schemas.openxmlformats.org/officeDocument/2006/math">
+                      <m:r>
+                        <a:rPr lang="en-US" sz="3200" b="0" i="1" smtClean="0">
+                          <a:latin typeface="Cambria Math" panose="02040503050406030204" pitchFamily="18" charset="0"/>
+                        </a:rPr>
+                        <m:t>𝑓</m:t>
+                      </m:r>
+                      <m:d>
+                        <m:dPr>
+                          <m:ctrlPr>
+                            <a:rPr lang="en-US" sz="3200" b="0" i="1" smtClean="0">
+                              <a:latin typeface="Cambria Math" panose="02040503050406030204" pitchFamily="18" charset="0"/>
+                            </a:rPr>
+                          </m:ctrlPr>
+                        </m:dPr>
+                        <m:e>
+                          <m:r>
+                            <a:rPr lang="en-US" sz="3200" b="0" i="1" smtClean="0">
+                              <a:latin typeface="Cambria Math" panose="02040503050406030204" pitchFamily="18" charset="0"/>
+                            </a:rPr>
+                            <m:t>0:2.4</m:t>
+                          </m:r>
+                        </m:e>
+                      </m:d>
+                      <m:r>
+                        <a:rPr lang="en-US" sz="3200" b="0" i="1" smtClean="0">
+                          <a:latin typeface="Cambria Math" panose="02040503050406030204" pitchFamily="18" charset="0"/>
+                        </a:rPr>
+                        <m:t>=</m:t>
+                      </m:r>
+                      <m:f>
+                        <m:fPr>
+                          <m:ctrlPr>
+                            <a:rPr lang="en-US" sz="3200" b="0" i="1" smtClean="0">
+                              <a:latin typeface="Cambria Math" panose="02040503050406030204" pitchFamily="18" charset="0"/>
+                            </a:rPr>
+                          </m:ctrlPr>
+                        </m:fPr>
+                        <m:num>
+                          <m:sSup>
+                            <m:sSupPr>
+                              <m:ctrlPr>
+                                <a:rPr lang="en-US" sz="3200" b="0" i="1" smtClean="0">
+                                  <a:latin typeface="Cambria Math" panose="02040503050406030204" pitchFamily="18" charset="0"/>
+                                </a:rPr>
+                              </m:ctrlPr>
+                            </m:sSupPr>
+                            <m:e>
+                              <m:r>
+                                <a:rPr lang="en-US" sz="3200" b="0" i="1" smtClean="0">
+                                  <a:latin typeface="Cambria Math" panose="02040503050406030204" pitchFamily="18" charset="0"/>
+                                </a:rPr>
+                                <m:t>2.4</m:t>
+                              </m:r>
+                            </m:e>
+                            <m:sup>
+                              <m:r>
+                                <a:rPr lang="en-US" sz="3200" b="0" i="1" smtClean="0">
+                                  <a:latin typeface="Cambria Math" panose="02040503050406030204" pitchFamily="18" charset="0"/>
+                                </a:rPr>
+                                <m:t>0</m:t>
+                              </m:r>
+                            </m:sup>
+                          </m:sSup>
+                          <m:sSup>
+                            <m:sSupPr>
+                              <m:ctrlPr>
+                                <a:rPr lang="en-US" sz="3200" b="0" i="1" smtClean="0">
+                                  <a:latin typeface="Cambria Math" panose="02040503050406030204" pitchFamily="18" charset="0"/>
+                                </a:rPr>
+                              </m:ctrlPr>
+                            </m:sSupPr>
+                            <m:e>
+                              <m:r>
+                                <a:rPr lang="en-US" sz="3200" b="0" i="1" smtClean="0">
+                                  <a:latin typeface="Cambria Math" panose="02040503050406030204" pitchFamily="18" charset="0"/>
+                                </a:rPr>
+                                <m:t>𝑒</m:t>
+                              </m:r>
+                            </m:e>
+                            <m:sup>
+                              <m:r>
+                                <a:rPr lang="en-US" sz="3200" b="0" i="1" smtClean="0">
+                                  <a:latin typeface="Cambria Math" panose="02040503050406030204" pitchFamily="18" charset="0"/>
+                                </a:rPr>
+                                <m:t>−2.4</m:t>
+                              </m:r>
+                            </m:sup>
+                          </m:sSup>
+                        </m:num>
+                        <m:den>
+                          <m:r>
+                            <a:rPr lang="en-US" sz="3200" b="0" i="1" smtClean="0">
+                              <a:latin typeface="Cambria Math" panose="02040503050406030204" pitchFamily="18" charset="0"/>
+                            </a:rPr>
+                            <m:t>0!</m:t>
+                          </m:r>
+                        </m:den>
+                      </m:f>
+                    </m:oMath>
+                  </m:oMathPara>
+                </a14:m>
+                <a:endParaRPr lang="en-US" sz="3200" dirty="0"/>
+              </a:p>
+              <a:p>
+                <a:pPr marL="0" indent="0">
+                  <a:buNone/>
+                </a:pPr>
+                <a:endParaRPr lang="en-US" sz="3200" dirty="0"/>
+              </a:p>
+              <a:p>
+                <a:pPr marL="0" indent="0">
+                  <a:buNone/>
+                </a:pPr>
+                <a14:m>
+                  <m:oMathPara xmlns:m="http://schemas.openxmlformats.org/officeDocument/2006/math">
+                    <m:oMathParaPr>
+                      <m:jc m:val="centerGroup"/>
+                    </m:oMathParaPr>
+                    <m:oMath xmlns:m="http://schemas.openxmlformats.org/officeDocument/2006/math">
+                      <m:r>
+                        <a:rPr lang="en-US" sz="3200" b="0" i="1" smtClean="0">
+                          <a:latin typeface="Cambria Math" panose="02040503050406030204" pitchFamily="18" charset="0"/>
+                        </a:rPr>
+                        <m:t>𝑓</m:t>
+                      </m:r>
+                      <m:d>
+                        <m:dPr>
+                          <m:ctrlPr>
+                            <a:rPr lang="en-US" sz="3200" b="0" i="1" smtClean="0">
+                              <a:latin typeface="Cambria Math" panose="02040503050406030204" pitchFamily="18" charset="0"/>
+                            </a:rPr>
+                          </m:ctrlPr>
+                        </m:dPr>
+                        <m:e>
+                          <m:r>
+                            <a:rPr lang="en-US" sz="3200" b="0" i="1" smtClean="0">
+                              <a:latin typeface="Cambria Math" panose="02040503050406030204" pitchFamily="18" charset="0"/>
+                            </a:rPr>
+                            <m:t>0:0.08</m:t>
+                          </m:r>
+                        </m:e>
+                      </m:d>
+                      <m:r>
+                        <a:rPr lang="en-US" sz="3200" b="0" i="1" smtClean="0">
+                          <a:latin typeface="Cambria Math" panose="02040503050406030204" pitchFamily="18" charset="0"/>
+                        </a:rPr>
+                        <m:t>=0.09</m:t>
+                      </m:r>
+                    </m:oMath>
+                  </m:oMathPara>
+                </a14:m>
+                <a:endParaRPr lang="en-US" sz="3200" b="0" dirty="0"/>
+              </a:p>
+              <a:p>
+                <a:pPr marL="0" indent="0">
+                  <a:buNone/>
+                </a:pPr>
+                <a:endParaRPr lang="en-US" sz="3200" b="0" dirty="0"/>
+              </a:p>
+              <a:p>
+                <a:pPr marL="0" indent="0">
+                  <a:buNone/>
+                </a:pPr>
+                <a14:m>
+                  <m:oMathPara xmlns:m="http://schemas.openxmlformats.org/officeDocument/2006/math">
+                    <m:oMathParaPr>
+                      <m:jc m:val="centerGroup"/>
+                    </m:oMathParaPr>
+                    <m:oMath xmlns:m="http://schemas.openxmlformats.org/officeDocument/2006/math">
+                      <m:r>
+                        <a:rPr lang="en-US" sz="3200" b="0" i="1" smtClean="0">
+                          <a:latin typeface="Cambria Math" panose="02040503050406030204" pitchFamily="18" charset="0"/>
+                        </a:rPr>
+                        <m:t>𝑓</m:t>
+                      </m:r>
+                      <m:d>
+                        <m:dPr>
+                          <m:ctrlPr>
+                            <a:rPr lang="en-US" sz="3200" b="0" i="1" smtClean="0">
+                              <a:latin typeface="Cambria Math" panose="02040503050406030204" pitchFamily="18" charset="0"/>
+                            </a:rPr>
+                          </m:ctrlPr>
+                        </m:dPr>
+                        <m:e>
+                          <m:r>
+                            <a:rPr lang="en-US" sz="3200" b="0" i="1" smtClean="0">
+                              <a:latin typeface="Cambria Math" panose="02040503050406030204" pitchFamily="18" charset="0"/>
+                            </a:rPr>
+                            <m:t>&gt;1</m:t>
+                          </m:r>
+                        </m:e>
+                      </m:d>
+                      <m:r>
+                        <a:rPr lang="en-US" sz="3200" b="0" i="1" smtClean="0">
+                          <a:latin typeface="Cambria Math" panose="02040503050406030204" pitchFamily="18" charset="0"/>
+                        </a:rPr>
+                        <m:t>=</m:t>
+                      </m:r>
+                      <m:d>
+                        <m:dPr>
+                          <m:ctrlPr>
+                            <a:rPr lang="en-US" sz="3200" b="0" i="1" smtClean="0">
+                              <a:latin typeface="Cambria Math" panose="02040503050406030204" pitchFamily="18" charset="0"/>
+                            </a:rPr>
+                          </m:ctrlPr>
+                        </m:dPr>
+                        <m:e>
+                          <m:r>
+                            <a:rPr lang="en-US" sz="3200" b="0" i="1" smtClean="0">
+                              <a:latin typeface="Cambria Math" panose="02040503050406030204" pitchFamily="18" charset="0"/>
+                            </a:rPr>
+                            <m:t>1−0.09</m:t>
+                          </m:r>
+                        </m:e>
+                      </m:d>
+                      <m:r>
+                        <a:rPr lang="en-US" sz="3200" b="0" i="1" smtClean="0">
+                          <a:latin typeface="Cambria Math" panose="02040503050406030204" pitchFamily="18" charset="0"/>
+                        </a:rPr>
+                        <m:t>=0.91</m:t>
+                      </m:r>
+                    </m:oMath>
+                  </m:oMathPara>
+                </a14:m>
+                <a:endParaRPr lang="en-US" sz="3200" b="0" dirty="0"/>
+              </a:p>
+            </p:txBody>
+          </p:sp>
+        </mc:Choice>
+        <mc:Fallback xmlns="">
+          <p:sp>
+            <p:nvSpPr>
+              <p:cNvPr id="5" name="TextBox 4">
+                <a:extLst>
+                  <a:ext uri="{FF2B5EF4-FFF2-40B4-BE49-F238E27FC236}">
+                    <a16:creationId xmlns:a16="http://schemas.microsoft.com/office/drawing/2014/main" id="{E9D336DF-7CCE-4B0B-A020-BDCE30D3E9FB}"/>
+                  </a:ext>
+                </a:extLst>
+              </p:cNvPr>
+              <p:cNvSpPr txBox="1">
+                <a:spLocks noRot="1" noChangeAspect="1" noMove="1" noResize="1" noEditPoints="1" noAdjustHandles="1" noChangeArrowheads="1" noChangeShapeType="1" noTextEdit="1"/>
+              </p:cNvSpPr>
+              <p:nvPr/>
+            </p:nvSpPr>
+            <p:spPr>
+              <a:xfrm>
+                <a:off x="1785631" y="2583317"/>
+                <a:ext cx="8115790" cy="3050259"/>
+              </a:xfrm>
+              <a:prstGeom prst="rect">
+                <a:avLst/>
+              </a:prstGeom>
+              <a:blipFill>
+                <a:blip r:embed="rId2"/>
+                <a:stretch>
+                  <a:fillRect/>
+                </a:stretch>
+              </a:blipFill>
+            </p:spPr>
+            <p:txBody>
+              <a:bodyPr/>
+              <a:lstStyle/>
+              <a:p>
+                <a:r>
+                  <a:rPr lang="en-US">
+                    <a:noFill/>
+                  </a:rPr>
+                  <a:t> </a:t>
+                </a:r>
+              </a:p>
+            </p:txBody>
+          </p:sp>
+        </mc:Fallback>
+      </mc:AlternateContent>
+    </p:spTree>
+    <p:extLst>
+      <p:ext uri="{BB962C8B-B14F-4D97-AF65-F5344CB8AC3E}">
+        <p14:creationId xmlns:p14="http://schemas.microsoft.com/office/powerpoint/2010/main" val="4135880799"/>
+      </p:ext>
+    </p:extLst>
+  </p:cSld>
+  <p:clrMapOvr>
+    <a:masterClrMapping/>
+  </p:clrMapOvr>
+</p:sld>
+</file>
+
+<file path=ppt/slides/slide32.xml><?xml version="1.0" encoding="utf-8"?>
+<p:sld xmlns:a="http://schemas.openxmlformats.org/drawingml/2006/main" xmlns:r="http://schemas.openxmlformats.org/officeDocument/2006/relationships" xmlns:p="http://schemas.openxmlformats.org/presentationml/2006/main">
+  <p:cSld>
+    <p:spTree>
+      <p:nvGrpSpPr>
+        <p:cNvPr id="1" name=""/>
+        <p:cNvGrpSpPr/>
+        <p:nvPr/>
+      </p:nvGrpSpPr>
+      <p:grpSpPr>
+        <a:xfrm>
+          <a:off x="0" y="0"/>
+          <a:ext cx="0" cy="0"/>
+          <a:chOff x="0" y="0"/>
+          <a:chExt cx="0" cy="0"/>
+        </a:xfrm>
+      </p:grpSpPr>
+      <p:sp>
+        <p:nvSpPr>
+          <p:cNvPr id="2" name="Title 1">
+            <a:extLst>
+              <a:ext uri="{FF2B5EF4-FFF2-40B4-BE49-F238E27FC236}">
                 <a16:creationId xmlns:a16="http://schemas.microsoft.com/office/drawing/2014/main" id="{F504381A-E9C0-4B14-ADD7-59A259AD06C2}"/>
               </a:ext>
             </a:extLst>
@@ -11083,7 +11294,7 @@
 </p:sld>
 </file>
 
-<file path=ppt/slides/slide31.xml><?xml version="1.0" encoding="utf-8"?>
+<file path=ppt/slides/slide33.xml><?xml version="1.0" encoding="utf-8"?>
 <p:sld xmlns:a="http://schemas.openxmlformats.org/drawingml/2006/main" xmlns:r="http://schemas.openxmlformats.org/officeDocument/2006/relationships" xmlns:p="http://schemas.openxmlformats.org/presentationml/2006/main">
   <p:cSld>
     <p:spTree>
@@ -11424,7 +11635,7 @@
 </p:sld>
 </file>
 
-<file path=ppt/slides/slide32.xml><?xml version="1.0" encoding="utf-8"?>
+<file path=ppt/slides/slide34.xml><?xml version="1.0" encoding="utf-8"?>
 <p:sld xmlns:a="http://schemas.openxmlformats.org/drawingml/2006/main" xmlns:r="http://schemas.openxmlformats.org/officeDocument/2006/relationships" xmlns:p="http://schemas.openxmlformats.org/presentationml/2006/main">
   <p:cSld>
     <p:spTree>
@@ -11517,7 +11728,7 @@
 </p:sld>
 </file>
 
-<file path=ppt/slides/slide33.xml><?xml version="1.0" encoding="utf-8"?>
+<file path=ppt/slides/slide35.xml><?xml version="1.0" encoding="utf-8"?>
 <p:sld xmlns:a="http://schemas.openxmlformats.org/drawingml/2006/main" xmlns:r="http://schemas.openxmlformats.org/officeDocument/2006/relationships" xmlns:p="http://schemas.openxmlformats.org/presentationml/2006/main">
   <p:cSld>
     <p:spTree>
@@ -11610,7 +11821,7 @@
 </p:sld>
 </file>
 
-<file path=ppt/slides/slide34.xml><?xml version="1.0" encoding="utf-8"?>
+<file path=ppt/slides/slide36.xml><?xml version="1.0" encoding="utf-8"?>
 <p:sld xmlns:a="http://schemas.openxmlformats.org/drawingml/2006/main" xmlns:r="http://schemas.openxmlformats.org/officeDocument/2006/relationships" xmlns:p="http://schemas.openxmlformats.org/presentationml/2006/main">
   <p:cSld>
     <p:spTree>
@@ -11714,7 +11925,7 @@
 </p:sld>
 </file>
 
-<file path=ppt/slides/slide35.xml><?xml version="1.0" encoding="utf-8"?>
+<file path=ppt/slides/slide37.xml><?xml version="1.0" encoding="utf-8"?>
 <p:sld xmlns:a="http://schemas.openxmlformats.org/drawingml/2006/main" xmlns:r="http://schemas.openxmlformats.org/officeDocument/2006/relationships" xmlns:p="http://schemas.openxmlformats.org/presentationml/2006/main">
   <p:cSld>
     <p:spTree>
@@ -12275,7 +12486,7 @@
 </p:sld>
 </file>
 
-<file path=ppt/slides/slide36.xml><?xml version="1.0" encoding="utf-8"?>
+<file path=ppt/slides/slide38.xml><?xml version="1.0" encoding="utf-8"?>
 <p:sld xmlns:a="http://schemas.openxmlformats.org/drawingml/2006/main" xmlns:r="http://schemas.openxmlformats.org/officeDocument/2006/relationships" xmlns:p="http://schemas.openxmlformats.org/presentationml/2006/main">
   <p:cSld>
     <p:spTree>
@@ -12373,7 +12584,7 @@
 </p:sld>
 </file>
 
-<file path=ppt/slides/slide37.xml><?xml version="1.0" encoding="utf-8"?>
+<file path=ppt/slides/slide39.xml><?xml version="1.0" encoding="utf-8"?>
 <p:sld xmlns:a="http://schemas.openxmlformats.org/drawingml/2006/main" xmlns:r="http://schemas.openxmlformats.org/officeDocument/2006/relationships" xmlns:p="http://schemas.openxmlformats.org/presentationml/2006/main">
   <p:cSld>
     <p:spTree>
@@ -12468,7 +12679,123 @@
 </p:sld>
 </file>
 
-<file path=ppt/slides/slide38.xml><?xml version="1.0" encoding="utf-8"?>
+<file path=ppt/slides/slide4.xml><?xml version="1.0" encoding="utf-8"?>
+<p:sld xmlns:a="http://schemas.openxmlformats.org/drawingml/2006/main" xmlns:r="http://schemas.openxmlformats.org/officeDocument/2006/relationships" xmlns:p="http://schemas.openxmlformats.org/presentationml/2006/main">
+  <p:cSld>
+    <p:spTree>
+      <p:nvGrpSpPr>
+        <p:cNvPr id="1" name=""/>
+        <p:cNvGrpSpPr/>
+        <p:nvPr/>
+      </p:nvGrpSpPr>
+      <p:grpSpPr>
+        <a:xfrm>
+          <a:off x="0" y="0"/>
+          <a:ext cx="0" cy="0"/>
+          <a:chOff x="0" y="0"/>
+          <a:chExt cx="0" cy="0"/>
+        </a:xfrm>
+      </p:grpSpPr>
+      <p:sp>
+        <p:nvSpPr>
+          <p:cNvPr id="2" name="Title 1">
+            <a:extLst>
+              <a:ext uri="{FF2B5EF4-FFF2-40B4-BE49-F238E27FC236}">
+                <a16:creationId xmlns:a16="http://schemas.microsoft.com/office/drawing/2014/main" id="{2D90FE52-315E-4188-BF48-061BFD4D007F}"/>
+              </a:ext>
+            </a:extLst>
+          </p:cNvPr>
+          <p:cNvSpPr>
+            <a:spLocks noGrp="1"/>
+          </p:cNvSpPr>
+          <p:nvPr>
+            <p:ph type="title"/>
+          </p:nvPr>
+        </p:nvSpPr>
+        <p:spPr/>
+        <p:txBody>
+          <a:bodyPr/>
+          <a:lstStyle/>
+          <a:p>
+            <a:r>
+              <a:rPr lang="en-US" dirty="0"/>
+              <a:t>Binomial Distributions – Do these fit the bill?</a:t>
+            </a:r>
+          </a:p>
+        </p:txBody>
+      </p:sp>
+      <p:sp>
+        <p:nvSpPr>
+          <p:cNvPr id="3" name="Content Placeholder 2">
+            <a:extLst>
+              <a:ext uri="{FF2B5EF4-FFF2-40B4-BE49-F238E27FC236}">
+                <a16:creationId xmlns:a16="http://schemas.microsoft.com/office/drawing/2014/main" id="{A166E487-C021-4093-8137-9852613C5AD5}"/>
+              </a:ext>
+            </a:extLst>
+          </p:cNvPr>
+          <p:cNvSpPr>
+            <a:spLocks noGrp="1"/>
+          </p:cNvSpPr>
+          <p:nvPr>
+            <p:ph idx="1"/>
+          </p:nvPr>
+        </p:nvSpPr>
+        <p:spPr/>
+        <p:txBody>
+          <a:bodyPr/>
+          <a:lstStyle/>
+          <a:p>
+            <a:r>
+              <a:rPr lang="en-US" dirty="0"/>
+              <a:t>A survey in which 1000 participants are asked if they like chocolate. </a:t>
+            </a:r>
+          </a:p>
+          <a:p>
+            <a:endParaRPr lang="en-US" dirty="0"/>
+          </a:p>
+          <a:p>
+            <a:r>
+              <a:rPr lang="en-US" dirty="0"/>
+              <a:t>Recording the status of check engine lights for every car that enters your auto repair shop. </a:t>
+            </a:r>
+          </a:p>
+          <a:p>
+            <a:endParaRPr lang="en-US" dirty="0"/>
+          </a:p>
+          <a:p>
+            <a:r>
+              <a:rPr lang="en-US" dirty="0"/>
+              <a:t>The number of cats in windows on your walk to work. </a:t>
+            </a:r>
+          </a:p>
+          <a:p>
+            <a:endParaRPr lang="en-US" dirty="0"/>
+          </a:p>
+          <a:p>
+            <a:r>
+              <a:rPr lang="en-US" dirty="0"/>
+              <a:t>A carnival game using 6 darts to pop one of 20 darts. 10 successes, and 10 failures. </a:t>
+            </a:r>
+          </a:p>
+          <a:p>
+            <a:endParaRPr lang="en-US" dirty="0"/>
+          </a:p>
+        </p:txBody>
+      </p:sp>
+    </p:spTree>
+    <p:extLst>
+      <p:ext uri="{BB962C8B-B14F-4D97-AF65-F5344CB8AC3E}">
+        <p14:creationId xmlns:p14="http://schemas.microsoft.com/office/powerpoint/2010/main" val="370790975"/>
+      </p:ext>
+    </p:extLst>
+  </p:cSld>
+  <p:clrMapOvr>
+    <a:masterClrMapping/>
+  </p:clrMapOvr>
+</p:sld>
+</file>
+
+<file path=ppt/slides/slide40.xml><?xml version="1.0" encoding="utf-8"?>
 <p:sld xmlns:a="http://schemas.openxmlformats.org/drawingml/2006/main" xmlns:r="http://schemas.openxmlformats.org/officeDocument/2006/relationships" xmlns:p="http://schemas.openxmlformats.org/presentationml/2006/main">
   <p:cSld>
     <p:spTree>
@@ -13303,113 +13630,6 @@
 </p:sld>
 </file>
 
-<file path=ppt/slides/slide4.xml><?xml version="1.0" encoding="utf-8"?>
-<p:sld xmlns:a="http://schemas.openxmlformats.org/drawingml/2006/main" xmlns:r="http://schemas.openxmlformats.org/officeDocument/2006/relationships" xmlns:p="http://schemas.openxmlformats.org/presentationml/2006/main">
-  <p:cSld>
-    <p:spTree>
-      <p:nvGrpSpPr>
-        <p:cNvPr id="1" name=""/>
-        <p:cNvGrpSpPr/>
-        <p:nvPr/>
-      </p:nvGrpSpPr>
-      <p:grpSpPr>
-        <a:xfrm>
-          <a:off x="0" y="0"/>
-          <a:ext cx="0" cy="0"/>
-          <a:chOff x="0" y="0"/>
-          <a:chExt cx="0" cy="0"/>
-        </a:xfrm>
-      </p:grpSpPr>
-      <p:sp>
-        <p:nvSpPr>
-          <p:cNvPr id="2" name="Title 1">
-            <a:extLst>
-              <a:ext uri="{FF2B5EF4-FFF2-40B4-BE49-F238E27FC236}">
-                <a16:creationId xmlns:a16="http://schemas.microsoft.com/office/drawing/2014/main" id="{2D90FE52-315E-4188-BF48-061BFD4D007F}"/>
-              </a:ext>
-            </a:extLst>
-          </p:cNvPr>
-          <p:cNvSpPr>
-            <a:spLocks noGrp="1"/>
-          </p:cNvSpPr>
-          <p:nvPr>
-            <p:ph type="title"/>
-          </p:nvPr>
-        </p:nvSpPr>
-        <p:spPr/>
-        <p:txBody>
-          <a:bodyPr/>
-          <a:lstStyle/>
-          <a:p>
-            <a:r>
-              <a:rPr lang="en-US" dirty="0"/>
-              <a:t>Binomial Distributions</a:t>
-            </a:r>
-          </a:p>
-        </p:txBody>
-      </p:sp>
-      <p:sp>
-        <p:nvSpPr>
-          <p:cNvPr id="3" name="Content Placeholder 2">
-            <a:extLst>
-              <a:ext uri="{FF2B5EF4-FFF2-40B4-BE49-F238E27FC236}">
-                <a16:creationId xmlns:a16="http://schemas.microsoft.com/office/drawing/2014/main" id="{A166E487-C021-4093-8137-9852613C5AD5}"/>
-              </a:ext>
-            </a:extLst>
-          </p:cNvPr>
-          <p:cNvSpPr>
-            <a:spLocks noGrp="1"/>
-          </p:cNvSpPr>
-          <p:nvPr>
-            <p:ph idx="1"/>
-          </p:nvPr>
-        </p:nvSpPr>
-        <p:spPr/>
-        <p:txBody>
-          <a:bodyPr/>
-          <a:lstStyle/>
-          <a:p>
-            <a:r>
-              <a:rPr lang="en-US" dirty="0"/>
-              <a:t>A survey in which 1000 participants are asked if they like chocolate. </a:t>
-            </a:r>
-          </a:p>
-          <a:p>
-            <a:r>
-              <a:rPr lang="en-US" dirty="0"/>
-              <a:t>Recording the status of check engine lights for every car that enters your auto repair shop. </a:t>
-            </a:r>
-          </a:p>
-          <a:p>
-            <a:r>
-              <a:rPr lang="en-US" dirty="0"/>
-              <a:t>The number of cats in windows on your walk to work. </a:t>
-            </a:r>
-          </a:p>
-          <a:p>
-            <a:r>
-              <a:rPr lang="en-US" dirty="0"/>
-              <a:t>A carnival game using 6 darts to pop one of 20 darts. 10 successes, and 10 failures. </a:t>
-            </a:r>
-          </a:p>
-          <a:p>
-            <a:endParaRPr lang="en-US" dirty="0"/>
-          </a:p>
-        </p:txBody>
-      </p:sp>
-    </p:spTree>
-    <p:extLst>
-      <p:ext uri="{BB962C8B-B14F-4D97-AF65-F5344CB8AC3E}">
-        <p14:creationId xmlns:p14="http://schemas.microsoft.com/office/powerpoint/2010/main" val="370790975"/>
-      </p:ext>
-    </p:extLst>
-  </p:cSld>
-  <p:clrMapOvr>
-    <a:masterClrMapping/>
-  </p:clrMapOvr>
-</p:sld>
-</file>
-
 <file path=ppt/slides/slide5.xml><?xml version="1.0" encoding="utf-8"?>
 <p:sld xmlns:a="http://schemas.openxmlformats.org/drawingml/2006/main" xmlns:r="http://schemas.openxmlformats.org/officeDocument/2006/relationships" xmlns:p="http://schemas.openxmlformats.org/presentationml/2006/main">
   <p:cSld>
@@ -13450,7 +13670,7 @@
           <a:p>
             <a:r>
               <a:rPr lang="en-US" dirty="0"/>
-              <a:t>Binomial Distribution </a:t>
+              <a:t>Binomial Distribution - Form </a:t>
             </a:r>
           </a:p>
         </p:txBody>
@@ -13636,7 +13856,7 @@
           <a:p>
             <a:r>
               <a:rPr lang="en-US" dirty="0"/>
-              <a:t>Examples</a:t>
+              <a:t>Examples – Simple game</a:t>
             </a:r>
           </a:p>
         </p:txBody>
@@ -13664,7 +13884,7 @@
           <a:p>
             <a:r>
               <a:rPr lang="en-US" dirty="0"/>
-              <a:t>A die is rolled 20 times. If you lands on a 6 you score a point, if you get 10 points you win. </a:t>
+              <a:t>A die is rolled 20 times. If you lands on a 6 you score a point, if you get 5 points you win. </a:t>
             </a:r>
           </a:p>
           <a:p>
@@ -13673,7 +13893,7 @@
           <a:p>
             <a:r>
               <a:rPr lang="en-US" dirty="0"/>
-              <a:t>What is the probability of getting exactly 10 points?</a:t>
+              <a:t>What is the probability of getting exactly 5 points?</a:t>
             </a:r>
           </a:p>
           <a:p>
@@ -13682,7 +13902,7 @@
           <a:p>
             <a:r>
               <a:rPr lang="en-US" dirty="0"/>
-              <a:t>What is the probability of getting at least 10 points? </a:t>
+              <a:t>What is the probability of getting at least 5 points? </a:t>
             </a:r>
           </a:p>
         </p:txBody>
@@ -13745,8 +13965,8 @@
           </a:p>
         </p:txBody>
       </p:sp>
-      <mc:AlternateContent xmlns:mc="http://schemas.openxmlformats.org/markup-compatibility/2006" xmlns:a14="http://schemas.microsoft.com/office/drawing/2010/main">
-        <mc:Choice Requires="a14">
+      <mc:AlternateContent xmlns:mc="http://schemas.openxmlformats.org/markup-compatibility/2006">
+        <mc:Choice xmlns:a14="http://schemas.microsoft.com/office/drawing/2010/main" Requires="a14">
           <p:sp>
             <p:nvSpPr>
               <p:cNvPr id="3" name="Content Placeholder 2">
@@ -13770,7 +13990,7 @@
               <a:p>
                 <a:r>
                   <a:rPr lang="en-US" dirty="0"/>
-                  <a:t>A die is rolled 20 times. If you lands on a 6 you score a point, if you get 10 points you win. </a:t>
+                  <a:t>A die is rolled 20 times. If you lands on a 6 you score a point, if you get 5 points you win. </a:t>
                 </a:r>
               </a:p>
               <a:p>
@@ -13779,7 +13999,7 @@
               <a:p>
                 <a:r>
                   <a:rPr lang="en-US" dirty="0"/>
-                  <a:t>What is the probability of getting exactly 10 points?</a:t>
+                  <a:t>What is the probability of getting exactly 5 points?</a:t>
                 </a:r>
               </a:p>
               <a:p>
@@ -13875,7 +14095,13 @@
                                 <a:rPr lang="en-US" sz="2800" b="0" i="1" smtClean="0">
                                   <a:latin typeface="Cambria Math" panose="02040503050406030204" pitchFamily="18" charset="0"/>
                                 </a:rPr>
-                                <m:t>20−10</m:t>
+                                <m:t>20−</m:t>
+                              </m:r>
+                              <m:r>
+                                <a:rPr lang="en-US" sz="2800" b="0" i="1" smtClean="0">
+                                  <a:latin typeface="Cambria Math" panose="02040503050406030204" pitchFamily="18" charset="0"/>
+                                </a:rPr>
+                                <m:t>𝑥</m:t>
                               </m:r>
                             </m:e>
                           </m:d>
@@ -13883,7 +14109,19 @@
                             <a:rPr lang="en-US" sz="2800" b="0" i="1" smtClean="0">
                               <a:latin typeface="Cambria Math" panose="02040503050406030204" pitchFamily="18" charset="0"/>
                             </a:rPr>
-                            <m:t>!10!</m:t>
+                            <m:t>!</m:t>
+                          </m:r>
+                          <m:r>
+                            <a:rPr lang="en-US" sz="2800" b="0" i="1" smtClean="0">
+                              <a:latin typeface="Cambria Math" panose="02040503050406030204" pitchFamily="18" charset="0"/>
+                            </a:rPr>
+                            <m:t>𝑥</m:t>
+                          </m:r>
+                          <m:r>
+                            <a:rPr lang="en-US" sz="2800" b="0" i="1" smtClean="0">
+                              <a:latin typeface="Cambria Math" panose="02040503050406030204" pitchFamily="18" charset="0"/>
+                            </a:rPr>
+                            <m:t>!</m:t>
                           </m:r>
                         </m:den>
                       </m:f>
@@ -14035,7 +14273,7 @@
             </p:txBody>
           </p:sp>
         </mc:Choice>
-        <mc:Fallback xmlns="">
+        <mc:Fallback>
           <p:sp>
             <p:nvSpPr>
               <p:cNvPr id="3" name="Content Placeholder 2">
@@ -14133,8 +14371,8 @@
           </a:p>
         </p:txBody>
       </p:sp>
-      <mc:AlternateContent xmlns:mc="http://schemas.openxmlformats.org/markup-compatibility/2006" xmlns:a14="http://schemas.microsoft.com/office/drawing/2010/main">
-        <mc:Choice Requires="a14">
+      <mc:AlternateContent xmlns:mc="http://schemas.openxmlformats.org/markup-compatibility/2006">
+        <mc:Choice xmlns:a14="http://schemas.microsoft.com/office/drawing/2010/main" Requires="a14">
           <p:sp>
             <p:nvSpPr>
               <p:cNvPr id="3" name="Content Placeholder 2">
@@ -14167,7 +14405,7 @@
               <a:p>
                 <a:r>
                   <a:rPr lang="en-US" dirty="0"/>
-                  <a:t>What is the probability of getting exactly 10 points?</a:t>
+                  <a:t>What is the probability of getting exactly 5 points?</a:t>
                 </a:r>
               </a:p>
               <a:p>
@@ -14205,26 +14443,33 @@
                             <a:rPr lang="en-US" sz="2800" b="0" i="1" smtClean="0">
                               <a:latin typeface="Cambria Math" panose="02040503050406030204" pitchFamily="18" charset="0"/>
                             </a:rPr>
-                            <m:t>:</m:t>
-                          </m:r>
-                          <m:r>
-                            <a:rPr lang="en-US" sz="2800" b="0" i="1" smtClean="0">
-                              <a:latin typeface="Cambria Math" panose="02040503050406030204" pitchFamily="18" charset="0"/>
-                            </a:rPr>
-                            <m:t>𝑛</m:t>
-                          </m:r>
-                          <m:r>
-                            <a:rPr lang="en-US" sz="2800" b="0" i="1" smtClean="0">
-                              <a:latin typeface="Cambria Math" panose="02040503050406030204" pitchFamily="18" charset="0"/>
-                            </a:rPr>
-                            <m:t>,</m:t>
-                          </m:r>
-                          <m:r>
-                            <a:rPr lang="en-US" sz="2800" b="0" i="1" smtClean="0">
-                              <a:latin typeface="Cambria Math" panose="02040503050406030204" pitchFamily="18" charset="0"/>
-                            </a:rPr>
-                            <m:t>𝑃</m:t>
-                          </m:r>
+                            <m:t>:5,</m:t>
+                          </m:r>
+                          <m:f>
+                            <m:fPr>
+                              <m:ctrlPr>
+                                <a:rPr lang="en-US" sz="2800" b="0" i="1" smtClean="0">
+                                  <a:latin typeface="Cambria Math" panose="02040503050406030204" pitchFamily="18" charset="0"/>
+                                </a:rPr>
+                              </m:ctrlPr>
+                            </m:fPr>
+                            <m:num>
+                              <m:r>
+                                <a:rPr lang="en-US" sz="2800" b="0" i="1" smtClean="0">
+                                  <a:latin typeface="Cambria Math" panose="02040503050406030204" pitchFamily="18" charset="0"/>
+                                </a:rPr>
+                                <m:t>1</m:t>
+                              </m:r>
+                            </m:num>
+                            <m:den>
+                              <m:r>
+                                <a:rPr lang="en-US" sz="2800" b="0" i="1" smtClean="0">
+                                  <a:latin typeface="Cambria Math" panose="02040503050406030204" pitchFamily="18" charset="0"/>
+                                </a:rPr>
+                                <m:t>6</m:t>
+                              </m:r>
+                            </m:den>
+                          </m:f>
                         </m:e>
                       </m:d>
                       <m:r>
@@ -14263,7 +14508,13 @@
                                 <a:rPr lang="en-US" sz="2800" b="0" i="1" smtClean="0">
                                   <a:latin typeface="Cambria Math" panose="02040503050406030204" pitchFamily="18" charset="0"/>
                                 </a:rPr>
-                                <m:t>20−10</m:t>
+                                <m:t>20−</m:t>
+                              </m:r>
+                              <m:r>
+                                <a:rPr lang="en-US" sz="2800" b="0" i="1" smtClean="0">
+                                  <a:latin typeface="Cambria Math" panose="02040503050406030204" pitchFamily="18" charset="0"/>
+                                </a:rPr>
+                                <m:t>5</m:t>
                               </m:r>
                             </m:e>
                           </m:d>
@@ -14271,7 +14522,19 @@
                             <a:rPr lang="en-US" sz="2800" b="0" i="1" smtClean="0">
                               <a:latin typeface="Cambria Math" panose="02040503050406030204" pitchFamily="18" charset="0"/>
                             </a:rPr>
-                            <m:t>!10!</m:t>
+                            <m:t>!</m:t>
+                          </m:r>
+                          <m:r>
+                            <a:rPr lang="en-US" sz="2800" b="0" i="1" smtClean="0">
+                              <a:latin typeface="Cambria Math" panose="02040503050406030204" pitchFamily="18" charset="0"/>
+                            </a:rPr>
+                            <m:t>5</m:t>
+                          </m:r>
+                          <m:r>
+                            <a:rPr lang="en-US" sz="2800" b="0" i="1" smtClean="0">
+                              <a:latin typeface="Cambria Math" panose="02040503050406030204" pitchFamily="18" charset="0"/>
+                            </a:rPr>
+                            <m:t>!</m:t>
                           </m:r>
                         </m:den>
                       </m:f>
@@ -14332,7 +14595,7 @@
                             <a:rPr lang="en-US" sz="2800" b="0" i="1" smtClean="0">
                               <a:latin typeface="Cambria Math" panose="02040503050406030204" pitchFamily="18" charset="0"/>
                             </a:rPr>
-                            <m:t>𝑥</m:t>
+                            <m:t>5</m:t>
                           </m:r>
                         </m:sup>
                       </m:sSup>
@@ -14393,7 +14656,7 @@
                             <a:rPr lang="en-US" sz="2800" b="0" i="1" smtClean="0">
                               <a:latin typeface="Cambria Math" panose="02040503050406030204" pitchFamily="18" charset="0"/>
                             </a:rPr>
-                            <m:t>𝑛</m:t>
+                            <m:t>20</m:t>
                           </m:r>
                           <m:r>
                             <a:rPr lang="en-US" sz="2800" b="0" i="1" smtClean="0">
@@ -14405,7 +14668,7 @@
                             <a:rPr lang="en-US" sz="2800" b="0" i="1" smtClean="0">
                               <a:latin typeface="Cambria Math" panose="02040503050406030204" pitchFamily="18" charset="0"/>
                             </a:rPr>
-                            <m:t>𝑥</m:t>
+                            <m:t>5</m:t>
                           </m:r>
                         </m:sup>
                       </m:sSup>
@@ -14426,7 +14689,7 @@
             </p:txBody>
           </p:sp>
         </mc:Choice>
-        <mc:Fallback xmlns="">
+        <mc:Fallback>
           <p:sp>
             <p:nvSpPr>
               <p:cNvPr id="3" name="Content Placeholder 2">
